--- a/Exercise 7/E7.pptx
+++ b/Exercise 7/E7.pptx
@@ -2746,9 +2746,12 @@
 <p:sldMaster xmlns:a="http://schemas.openxmlformats.org/drawingml/2006/main" xmlns:r="http://schemas.openxmlformats.org/officeDocument/2006/relationships" xmlns:p="http://schemas.openxmlformats.org/presentationml/2006/main">
   <p:cSld>
     <p:bg>
-      <p:bgRef idx="1001">
-        <a:schemeClr val="bg1"/>
-      </p:bgRef>
+      <p:bgPr>
+        <a:solidFill>
+          <a:schemeClr val="tx1"/>
+        </a:solidFill>
+        <a:effectLst/>
+      </p:bgPr>
     </p:bg>
     <p:spTree>
       <p:nvGrpSpPr>
@@ -3349,7 +3352,11 @@
           <a:lstStyle/>
           <a:p>
             <a:r>
-              <a:rPr lang="en-GB" dirty="0"/>
+              <a:rPr lang="en-GB" dirty="0">
+                <a:solidFill>
+                  <a:schemeClr val="bg1"/>
+                </a:solidFill>
+              </a:rPr>
               <a:t>Exercise 7</a:t>
             </a:r>
           </a:p>
@@ -3442,7 +3449,11 @@
           <a:lstStyle/>
           <a:p>
             <a:r>
-              <a:rPr lang="en-GB" dirty="0"/>
+              <a:rPr lang="en-GB" dirty="0">
+                <a:solidFill>
+                  <a:schemeClr val="bg1"/>
+                </a:solidFill>
+              </a:rPr>
               <a:t>Exercise 7</a:t>
             </a:r>
           </a:p>
@@ -3470,42 +3481,61 @@
           <a:lstStyle/>
           <a:p>
             <a:r>
-              <a:rPr lang="en-GB" dirty="0"/>
+              <a:rPr lang="en-GB" dirty="0">
+                <a:solidFill>
+                  <a:schemeClr val="bg1"/>
+                </a:solidFill>
+              </a:rPr>
               <a:t>From the graph above:</a:t>
             </a:r>
           </a:p>
           <a:p>
             <a:pPr lvl="1"/>
             <a:r>
-              <a:rPr lang="en-GB" dirty="0"/>
+              <a:rPr lang="en-GB" dirty="0">
+                <a:solidFill>
+                  <a:schemeClr val="bg1"/>
+                </a:solidFill>
+              </a:rPr>
               <a:t>Width of Pulse: 9.756 – 0.384 = 9.372ms</a:t>
             </a:r>
           </a:p>
           <a:p>
             <a:pPr lvl="1"/>
             <a:r>
-              <a:rPr lang="en-GB" dirty="0"/>
+              <a:rPr lang="en-GB" dirty="0">
+                <a:solidFill>
+                  <a:schemeClr val="bg1"/>
+                </a:solidFill>
+              </a:rPr>
               <a:t>Peak Voltage: 1.398V</a:t>
             </a:r>
           </a:p>
           <a:p>
             <a:r>
-              <a:rPr lang="en-GB" dirty="0"/>
+              <a:rPr lang="en-GB" dirty="0">
+                <a:solidFill>
+                  <a:schemeClr val="bg1"/>
+                </a:solidFill>
+              </a:rPr>
               <a:t>The peak voltage and width are both a bit less than what I expected – I didn’t expect such a voltage decrease since the resistance of the diode is quite low compared with the 1k</a:t>
             </a:r>
             <a:r>
-              <a:rPr lang="el-GR" dirty="0"/>
+              <a:rPr lang="el-GR" dirty="0">
+                <a:solidFill>
+                  <a:schemeClr val="bg1"/>
+                </a:solidFill>
+              </a:rPr>
               <a:t>Ω</a:t>
             </a:r>
             <a:r>
-              <a:rPr lang="en-GB" dirty="0"/>
-              <a:t> resistor – but they are within </a:t>
-            </a:r>
-            <a:r>
-              <a:rPr lang="en-GB"/>
-              <a:t>reasonable range.</a:t>
-            </a:r>
-            <a:endParaRPr lang="en-GB" dirty="0"/>
+              <a:rPr lang="en-GB" dirty="0">
+                <a:solidFill>
+                  <a:schemeClr val="bg1"/>
+                </a:solidFill>
+              </a:rPr>
+              <a:t> resistor – but they are within reasonable range.</a:t>
+            </a:r>
           </a:p>
         </p:txBody>
       </p:sp>
